--- a/_site/translations/en-us/CoreValues/TeamIdentity.pptx
+++ b/_site/translations/en-us/CoreValues/TeamIdentity.pptx
@@ -210,7 +210,7 @@
           <a:p>
             <a:fld id="{C528CD71-4833-D241-9C24-E07BA428460D}" type="datetimeFigureOut">
               <a:rPr lang="en-US" smtClean="0"/>
-              <a:t>7/27/18</a:t>
+              <a:t>7/9/21</a:t>
             </a:fld>
             <a:endParaRPr lang="en-US"/>
           </a:p>
@@ -734,7 +734,7 @@
             </a:r>
             <a:fld id="{691E6EB7-59B6-3248-9EA1-7490FF4DE794}" type="datetime1">
               <a:rPr lang="en-US" smtClean="0"/>
-              <a:t>7/27/18</a:t>
+              <a:t>7/9/21</a:t>
             </a:fld>
             <a:endParaRPr lang="en-US" dirty="0"/>
           </a:p>
@@ -1044,7 +1044,7 @@
           <a:p>
             <a:fld id="{2A9A2F4D-1D3F-234C-B9C7-336E10B65EEA}" type="datetime1">
               <a:rPr lang="en-US" smtClean="0"/>
-              <a:t>7/27/18</a:t>
+              <a:t>7/9/21</a:t>
             </a:fld>
             <a:endParaRPr lang="en-US" dirty="0"/>
           </a:p>
@@ -1303,7 +1303,7 @@
           <a:p>
             <a:fld id="{23A732DD-4450-D547-94AB-5BCD03AAEF9F}" type="datetime1">
               <a:rPr lang="en-US" smtClean="0"/>
-              <a:t>7/27/18</a:t>
+              <a:t>7/9/21</a:t>
             </a:fld>
             <a:endParaRPr lang="en-US" dirty="0"/>
           </a:p>
@@ -1598,7 +1598,7 @@
             </a:r>
             <a:fld id="{720B0A29-EE36-AA4C-B913-76D95CADEC11}" type="datetime1">
               <a:rPr lang="en-US" smtClean="0"/>
-              <a:t>7/27/18</a:t>
+              <a:t>7/9/21</a:t>
             </a:fld>
             <a:endParaRPr lang="en-US" dirty="0"/>
           </a:p>
@@ -2051,7 +2051,7 @@
             <a:fld id="{B61BEF0D-F0BB-DE4B-95CE-6DB70DBA9567}" type="datetimeFigureOut">
               <a:rPr lang="en-US" smtClean="0"/>
               <a:pPr/>
-              <a:t>7/27/18</a:t>
+              <a:t>7/9/21</a:t>
             </a:fld>
             <a:endParaRPr lang="en-US" dirty="0"/>
           </a:p>
@@ -2557,7 +2557,7 @@
           <a:p>
             <a:fld id="{563BBA33-2247-AD48-9F46-2405C526DA6D}" type="datetime1">
               <a:rPr lang="en-US" smtClean="0"/>
-              <a:t>7/27/18</a:t>
+              <a:t>7/9/21</a:t>
             </a:fld>
             <a:endParaRPr lang="en-US" dirty="0"/>
           </a:p>
@@ -3007,7 +3007,7 @@
           <a:p>
             <a:fld id="{E37A0713-6670-4846-B21D-7F90CC5860BF}" type="datetime1">
               <a:rPr lang="en-US" smtClean="0"/>
-              <a:t>7/27/18</a:t>
+              <a:t>7/9/21</a:t>
             </a:fld>
             <a:endParaRPr lang="en-US" dirty="0"/>
           </a:p>
@@ -3193,7 +3193,7 @@
           <a:p>
             <a:fld id="{88384E45-FBC5-2346-A08F-1A14F8C36C36}" type="datetime1">
               <a:rPr lang="en-US" smtClean="0"/>
-              <a:t>7/27/18</a:t>
+              <a:t>7/9/21</a:t>
             </a:fld>
             <a:endParaRPr lang="en-US" dirty="0"/>
           </a:p>
@@ -3317,7 +3317,7 @@
           <a:p>
             <a:fld id="{6D5F60BB-B093-6E49-ADE2-76E74B470241}" type="datetime1">
               <a:rPr lang="en-US" smtClean="0"/>
-              <a:t>7/27/18</a:t>
+              <a:t>7/9/21</a:t>
             </a:fld>
             <a:endParaRPr lang="en-US" dirty="0"/>
           </a:p>
@@ -3724,7 +3724,7 @@
           <a:p>
             <a:fld id="{5FF1ADD0-D4FD-DD4A-A91F-CB1DE51F1067}" type="datetime1">
               <a:rPr lang="en-US" smtClean="0"/>
-              <a:t>7/27/18</a:t>
+              <a:t>7/9/21</a:t>
             </a:fld>
             <a:endParaRPr lang="en-US" dirty="0"/>
           </a:p>
@@ -4042,7 +4042,7 @@
           <a:p>
             <a:fld id="{D68A31B4-C704-6440-BAE0-040CF791BCD6}" type="datetime1">
               <a:rPr lang="en-US" smtClean="0"/>
-              <a:t>7/27/18</a:t>
+              <a:t>7/9/21</a:t>
             </a:fld>
             <a:endParaRPr lang="en-US" dirty="0"/>
           </a:p>
@@ -4402,7 +4402,7 @@
             </a:r>
             <a:fld id="{4AFB4AE6-904B-214F-A9B0-C8A74DB14B36}" type="datetime1">
               <a:rPr lang="en-US" smtClean="0"/>
-              <a:t>7/27/18</a:t>
+              <a:t>7/9/21</a:t>
             </a:fld>
             <a:endParaRPr lang="en-US" dirty="0"/>
           </a:p>
@@ -5284,7 +5284,7 @@
             </a:r>
             <a:fld id="{720B0A29-EE36-AA4C-B913-76D95CADEC11}" type="datetime1">
               <a:rPr lang="en-US" smtClean="0"/>
-              <a:t>7/27/18</a:t>
+              <a:t>7/9/21</a:t>
             </a:fld>
             <a:endParaRPr lang="en-US" dirty="0"/>
           </a:p>
@@ -5541,7 +5541,7 @@
             </a:r>
             <a:fld id="{720B0A29-EE36-AA4C-B913-76D95CADEC11}" type="datetime1">
               <a:rPr lang="en-US" smtClean="0"/>
-              <a:t>7/27/18</a:t>
+              <a:t>7/9/21</a:t>
             </a:fld>
             <a:endParaRPr lang="en-US" dirty="0"/>
           </a:p>
@@ -6053,7 +6053,7 @@
             </a:r>
             <a:fld id="{720B0A29-EE36-AA4C-B913-76D95CADEC11}" type="datetime1">
               <a:rPr lang="en-US" smtClean="0"/>
-              <a:t>7/27/18</a:t>
+              <a:t>7/9/21</a:t>
             </a:fld>
             <a:endParaRPr lang="en-US" dirty="0"/>
           </a:p>
@@ -6672,7 +6672,7 @@
             </a:r>
             <a:fld id="{720B0A29-EE36-AA4C-B913-76D95CADEC11}" type="datetime1">
               <a:rPr lang="en-US" smtClean="0"/>
-              <a:t>7/27/18</a:t>
+              <a:t>7/9/21</a:t>
             </a:fld>
             <a:endParaRPr lang="en-US" dirty="0"/>
           </a:p>
@@ -6985,7 +6985,7 @@
             </a:r>
             <a:fld id="{36683BD2-4810-EF43-B5CB-A49746490A3C}" type="datetime1">
               <a:rPr lang="en-US" smtClean="0"/>
-              <a:t>7/27/18</a:t>
+              <a:t>7/9/21</a:t>
             </a:fld>
             <a:endParaRPr lang="en-US" dirty="0"/>
           </a:p>
@@ -7315,7 +7315,7 @@
             </a:r>
             <a:fld id="{720B0A29-EE36-AA4C-B913-76D95CADEC11}" type="datetime1">
               <a:rPr lang="en-US" smtClean="0"/>
-              <a:t>7/27/18</a:t>
+              <a:t>7/9/21</a:t>
             </a:fld>
             <a:endParaRPr lang="en-US" dirty="0"/>
           </a:p>
@@ -7574,7 +7574,7 @@
             </a:r>
             <a:fld id="{3BBABA86-C064-2B42-8375-87652C8C23C2}" type="datetime1">
               <a:rPr lang="en-US" smtClean="0"/>
-              <a:t>7/27/18</a:t>
+              <a:t>7/9/21</a:t>
             </a:fld>
             <a:endParaRPr lang="en-US" dirty="0"/>
           </a:p>
@@ -7737,97 +7737,6 @@
               <a:pPr/>
               <a:t>3</a:t>
             </a:fld>
-            <a:endParaRPr lang="en-US"/>
-          </a:p>
-        </p:txBody>
-      </p:sp>
-      <p:pic>
-        <p:nvPicPr>
-          <p:cNvPr id="6" name="Picture 5">
-            <a:extLst>
-              <a:ext uri="{FF2B5EF4-FFF2-40B4-BE49-F238E27FC236}">
-                <a16:creationId xmlns:a16="http://schemas.microsoft.com/office/drawing/2014/main" id="{EE8EED34-B8F4-8243-AC99-08E20BF7A02A}"/>
-              </a:ext>
-            </a:extLst>
-          </p:cNvPr>
-          <p:cNvPicPr>
-            <a:picLocks noChangeAspect="1"/>
-          </p:cNvPicPr>
-          <p:nvPr/>
-        </p:nvPicPr>
-        <p:blipFill rotWithShape="1">
-          <a:blip r:embed="rId2" cstate="print">
-            <a:extLst>
-              <a:ext uri="{28A0092B-C50C-407E-A947-70E740481C1C}">
-                <a14:useLocalDpi xmlns:a14="http://schemas.microsoft.com/office/drawing/2010/main"/>
-              </a:ext>
-            </a:extLst>
-          </a:blip>
-          <a:srcRect/>
-          <a:stretch/>
-        </p:blipFill>
-        <p:spPr>
-          <a:xfrm>
-            <a:off x="2007396" y="4843011"/>
-            <a:ext cx="5088924" cy="1440095"/>
-          </a:xfrm>
-          <a:prstGeom prst="rect">
-            <a:avLst/>
-          </a:prstGeom>
-        </p:spPr>
-      </p:pic>
-      <p:sp>
-        <p:nvSpPr>
-          <p:cNvPr id="9" name="Rectangle 8">
-            <a:extLst>
-              <a:ext uri="{FF2B5EF4-FFF2-40B4-BE49-F238E27FC236}">
-                <a16:creationId xmlns:a16="http://schemas.microsoft.com/office/drawing/2014/main" id="{F42A9C27-7FC8-6145-AE6A-0371C81384B3}"/>
-              </a:ext>
-            </a:extLst>
-          </p:cNvPr>
-          <p:cNvSpPr/>
-          <p:nvPr/>
-        </p:nvSpPr>
-        <p:spPr>
-          <a:xfrm>
-            <a:off x="2007396" y="5373986"/>
-            <a:ext cx="5134708" cy="512466"/>
-          </a:xfrm>
-          <a:prstGeom prst="rect">
-            <a:avLst/>
-          </a:prstGeom>
-          <a:solidFill>
-            <a:srgbClr val="FFFF00">
-              <a:alpha val="30000"/>
-            </a:srgbClr>
-          </a:solidFill>
-          <a:ln>
-            <a:solidFill>
-              <a:srgbClr val="FF0000"/>
-            </a:solidFill>
-          </a:ln>
-        </p:spPr>
-        <p:style>
-          <a:lnRef idx="2">
-            <a:schemeClr val="accent1">
-              <a:shade val="50000"/>
-            </a:schemeClr>
-          </a:lnRef>
-          <a:fillRef idx="1">
-            <a:schemeClr val="accent1"/>
-          </a:fillRef>
-          <a:effectRef idx="0">
-            <a:schemeClr val="accent1"/>
-          </a:effectRef>
-          <a:fontRef idx="minor">
-            <a:schemeClr val="lt1"/>
-          </a:fontRef>
-        </p:style>
-        <p:txBody>
-          <a:bodyPr rtlCol="0" anchor="ctr"/>
-          <a:lstStyle/>
-          <a:p>
-            <a:pPr algn="ctr"/>
             <a:endParaRPr lang="en-US"/>
           </a:p>
         </p:txBody>
@@ -8112,7 +8021,7 @@
             </a:r>
             <a:fld id="{720B0A29-EE36-AA4C-B913-76D95CADEC11}" type="datetime1">
               <a:rPr lang="en-US" smtClean="0"/>
-              <a:t>7/27/18</a:t>
+              <a:t>7/9/21</a:t>
             </a:fld>
             <a:endParaRPr lang="en-US" dirty="0"/>
           </a:p>
@@ -8262,7 +8171,7 @@
             </a:r>
             <a:fld id="{720B0A29-EE36-AA4C-B913-76D95CADEC11}" type="datetime1">
               <a:rPr lang="en-US" smtClean="0"/>
-              <a:t>7/27/18</a:t>
+              <a:t>7/9/21</a:t>
             </a:fld>
             <a:endParaRPr lang="en-US" dirty="0"/>
           </a:p>
@@ -10399,7 +10308,7 @@
             </a:r>
             <a:fld id="{720B0A29-EE36-AA4C-B913-76D95CADEC11}" type="datetime1">
               <a:rPr lang="en-US" smtClean="0"/>
-              <a:t>7/27/18</a:t>
+              <a:t>7/9/21</a:t>
             </a:fld>
             <a:endParaRPr lang="en-US" dirty="0"/>
           </a:p>
@@ -11330,7 +11239,7 @@
             </a:r>
             <a:fld id="{720B0A29-EE36-AA4C-B913-76D95CADEC11}" type="datetime1">
               <a:rPr lang="en-US" smtClean="0"/>
-              <a:t>7/27/18</a:t>
+              <a:t>7/9/21</a:t>
             </a:fld>
             <a:endParaRPr lang="en-US" dirty="0"/>
           </a:p>
@@ -11821,7 +11730,7 @@
             </a:r>
             <a:fld id="{3BBABA86-C064-2B42-8375-87652C8C23C2}" type="datetime1">
               <a:rPr lang="en-US" smtClean="0"/>
-              <a:t>7/27/18</a:t>
+              <a:t>7/9/21</a:t>
             </a:fld>
             <a:endParaRPr lang="en-US" dirty="0"/>
           </a:p>
@@ -12410,7 +12319,7 @@
             </a:r>
             <a:fld id="{720B0A29-EE36-AA4C-B913-76D95CADEC11}" type="datetime1">
               <a:rPr lang="en-US" smtClean="0"/>
-              <a:t>7/27/18</a:t>
+              <a:t>7/9/21</a:t>
             </a:fld>
             <a:endParaRPr lang="en-US" dirty="0"/>
           </a:p>
